--- a/oral_projet/diaporama_revue_1_willy.pptx
+++ b/oral_projet/diaporama_revue_1_willy.pptx
@@ -4510,14 +4510,14 @@
   <p:clrMapOvr>
     <a:masterClrMapping/>
   </p:clrMapOvr>
-  <mc:AlternateContent xmlns:mc="http://schemas.openxmlformats.org/markup-compatibility/2006" xmlns:p14="http://schemas.microsoft.com/office/powerpoint/2010/main">
-    <mc:Choice Requires="p14">
-      <p:transition spd="slow" advClick="0" advTm="1000">
+  <mc:AlternateContent xmlns:mc="http://schemas.openxmlformats.org/markup-compatibility/2006">
+    <mc:Choice xmlns:p14="http://schemas.microsoft.com/office/powerpoint/2010/main" Requires="p14">
+      <p:transition spd="slow">
         <p14:reveal/>
       </p:transition>
     </mc:Choice>
-    <mc:Fallback xmlns="">
-      <p:transition spd="slow" advClick="0" advTm="1000">
+    <mc:Fallback>
+      <p:transition spd="slow">
         <p:fade/>
       </p:transition>
     </mc:Fallback>
@@ -5816,14 +5816,14 @@
   <p:clrMapOvr>
     <a:masterClrMapping/>
   </p:clrMapOvr>
-  <mc:AlternateContent xmlns:mc="http://schemas.openxmlformats.org/markup-compatibility/2006" xmlns:p14="http://schemas.microsoft.com/office/powerpoint/2010/main">
-    <mc:Choice Requires="p14">
-      <p:transition spd="slow" advClick="0" advTm="1000">
+  <mc:AlternateContent xmlns:mc="http://schemas.openxmlformats.org/markup-compatibility/2006">
+    <mc:Choice xmlns:p14="http://schemas.microsoft.com/office/powerpoint/2010/main" Requires="p14">
+      <p:transition spd="slow">
         <p14:reveal/>
       </p:transition>
     </mc:Choice>
-    <mc:Fallback xmlns="">
-      <p:transition spd="slow" advClick="0" advTm="1000">
+    <mc:Fallback>
+      <p:transition spd="slow">
         <p:fade/>
       </p:transition>
     </mc:Fallback>
@@ -7924,14 +7924,14 @@
   <p:clrMapOvr>
     <a:masterClrMapping/>
   </p:clrMapOvr>
-  <mc:AlternateContent xmlns:mc="http://schemas.openxmlformats.org/markup-compatibility/2006" xmlns:p14="http://schemas.microsoft.com/office/powerpoint/2010/main">
-    <mc:Choice Requires="p14">
-      <p:transition spd="slow" advClick="0" advTm="1000">
+  <mc:AlternateContent xmlns:mc="http://schemas.openxmlformats.org/markup-compatibility/2006">
+    <mc:Choice xmlns:p14="http://schemas.microsoft.com/office/powerpoint/2010/main" Requires="p14">
+      <p:transition spd="slow">
         <p14:reveal/>
       </p:transition>
     </mc:Choice>
-    <mc:Fallback xmlns="">
-      <p:transition spd="slow" advClick="0" advTm="1000">
+    <mc:Fallback>
+      <p:transition spd="slow">
         <p:fade/>
       </p:transition>
     </mc:Fallback>

--- a/oral_projet/diaporama_revue_1_willy.pptx
+++ b/oral_projet/diaporama_revue_1_willy.pptx
@@ -4510,13 +4510,13 @@
   <p:clrMapOvr>
     <a:masterClrMapping/>
   </p:clrMapOvr>
-  <mc:AlternateContent xmlns:mc="http://schemas.openxmlformats.org/markup-compatibility/2006">
-    <mc:Choice xmlns:p14="http://schemas.microsoft.com/office/powerpoint/2010/main" Requires="p14">
+  <mc:AlternateContent xmlns:mc="http://schemas.openxmlformats.org/markup-compatibility/2006" xmlns:p14="http://schemas.microsoft.com/office/powerpoint/2010/main">
+    <mc:Choice Requires="p14">
       <p:transition spd="slow">
         <p14:reveal/>
       </p:transition>
     </mc:Choice>
-    <mc:Fallback>
+    <mc:Fallback xmlns="">
       <p:transition spd="slow">
         <p:fade/>
       </p:transition>
@@ -5816,13 +5816,13 @@
   <p:clrMapOvr>
     <a:masterClrMapping/>
   </p:clrMapOvr>
-  <mc:AlternateContent xmlns:mc="http://schemas.openxmlformats.org/markup-compatibility/2006">
-    <mc:Choice xmlns:p14="http://schemas.microsoft.com/office/powerpoint/2010/main" Requires="p14">
+  <mc:AlternateContent xmlns:mc="http://schemas.openxmlformats.org/markup-compatibility/2006" xmlns:p14="http://schemas.microsoft.com/office/powerpoint/2010/main">
+    <mc:Choice Requires="p14">
       <p:transition spd="slow">
         <p14:reveal/>
       </p:transition>
     </mc:Choice>
-    <mc:Fallback>
+    <mc:Fallback xmlns="">
       <p:transition spd="slow">
         <p:fade/>
       </p:transition>
@@ -7595,7 +7595,7 @@
         <p:spPr>
           <a:xfrm>
             <a:off x="7937096" y="2816853"/>
-            <a:ext cx="3271706" cy="646331"/>
+            <a:ext cx="3271706" cy="1200329"/>
           </a:xfrm>
           <a:prstGeom prst="rect">
             <a:avLst/>
@@ -7612,6 +7612,13 @@
             <a:r>
               <a:rPr lang="fr-FR" dirty="0"/>
               <a:t>Acquérir la mesure de l’intensité lumineuse.</a:t>
+            </a:r>
+          </a:p>
+          <a:p>
+            <a:pPr algn="ctr"/>
+            <a:r>
+              <a:rPr lang="fr-FR" dirty="0"/>
+              <a:t>Etude et configuration réseau des matériels.</a:t>
             </a:r>
           </a:p>
         </p:txBody>
@@ -7682,7 +7689,7 @@
         </p:blipFill>
         <p:spPr>
           <a:xfrm>
-            <a:off x="9188227" y="3510158"/>
+            <a:off x="10197414" y="3613623"/>
             <a:ext cx="769441" cy="769441"/>
           </a:xfrm>
           <a:prstGeom prst="rect">
@@ -7924,13 +7931,13 @@
   <p:clrMapOvr>
     <a:masterClrMapping/>
   </p:clrMapOvr>
-  <mc:AlternateContent xmlns:mc="http://schemas.openxmlformats.org/markup-compatibility/2006">
-    <mc:Choice xmlns:p14="http://schemas.microsoft.com/office/powerpoint/2010/main" Requires="p14">
+  <mc:AlternateContent xmlns:mc="http://schemas.openxmlformats.org/markup-compatibility/2006" xmlns:p14="http://schemas.microsoft.com/office/powerpoint/2010/main">
+    <mc:Choice Requires="p14">
       <p:transition spd="slow">
         <p14:reveal/>
       </p:transition>
     </mc:Choice>
-    <mc:Fallback>
+    <mc:Fallback xmlns="">
       <p:transition spd="slow">
         <p:fade/>
       </p:transition>

--- a/oral_projet/diaporama_revue_1_willy.pptx
+++ b/oral_projet/diaporama_revue_1_willy.pptx
@@ -7689,7 +7689,7 @@
         </p:blipFill>
         <p:spPr>
           <a:xfrm>
-            <a:off x="10197414" y="3613623"/>
+            <a:off x="8078347" y="3632461"/>
             <a:ext cx="769441" cy="769441"/>
           </a:xfrm>
           <a:prstGeom prst="rect">
@@ -7921,6 +7921,42 @@
           </a:p>
         </p:txBody>
       </p:sp>
+      <p:pic>
+        <p:nvPicPr>
+          <p:cNvPr id="3" name="Image 2">
+            <a:extLst>
+              <a:ext uri="{FF2B5EF4-FFF2-40B4-BE49-F238E27FC236}">
+                <a16:creationId xmlns:a16="http://schemas.microsoft.com/office/drawing/2014/main" id="{9137098D-F68B-4F6F-99DC-D73D8C3BF4EF}"/>
+              </a:ext>
+            </a:extLst>
+          </p:cNvPr>
+          <p:cNvPicPr>
+            <a:picLocks noChangeAspect="1"/>
+          </p:cNvPicPr>
+          <p:nvPr/>
+        </p:nvPicPr>
+        <p:blipFill>
+          <a:blip r:embed="rId11">
+            <a:extLst>
+              <a:ext uri="{28A0092B-C50C-407E-A947-70E740481C1C}">
+                <a14:useLocalDpi xmlns:a14="http://schemas.microsoft.com/office/drawing/2010/main" val="0"/>
+              </a:ext>
+            </a:extLst>
+          </a:blip>
+          <a:stretch>
+            <a:fillRect/>
+          </a:stretch>
+        </p:blipFill>
+        <p:spPr>
+          <a:xfrm>
+            <a:off x="10527921" y="3679678"/>
+            <a:ext cx="675008" cy="675008"/>
+          </a:xfrm>
+          <a:prstGeom prst="rect">
+            <a:avLst/>
+          </a:prstGeom>
+        </p:spPr>
+      </p:pic>
     </p:spTree>
     <p:extLst>
       <p:ext uri="{BB962C8B-B14F-4D97-AF65-F5344CB8AC3E}">

--- a/oral_projet/diaporama_revue_1_willy.pptx
+++ b/oral_projet/diaporama_revue_1_willy.pptx
@@ -204,7 +204,7 @@
           <a:p>
             <a:fld id="{7BEC4371-174F-4615-858D-8B61BA547698}" type="datetimeFigureOut">
               <a:rPr lang="fr-FR" smtClean="0"/>
-              <a:t>25/01/2018</a:t>
+              <a:t>29/01/2018</a:t>
             </a:fld>
             <a:endParaRPr lang="fr-FR"/>
           </a:p>
@@ -618,7 +618,7 @@
           <a:p>
             <a:fld id="{125942D7-A464-4365-815E-3C7EAFC3F152}" type="datetimeFigureOut">
               <a:rPr lang="fr-FR" smtClean="0"/>
-              <a:t>25/01/2018</a:t>
+              <a:t>29/01/2018</a:t>
             </a:fld>
             <a:endParaRPr lang="fr-FR"/>
           </a:p>
@@ -828,7 +828,7 @@
           <a:p>
             <a:fld id="{125942D7-A464-4365-815E-3C7EAFC3F152}" type="datetimeFigureOut">
               <a:rPr lang="fr-FR" smtClean="0"/>
-              <a:t>25/01/2018</a:t>
+              <a:t>29/01/2018</a:t>
             </a:fld>
             <a:endParaRPr lang="fr-FR"/>
           </a:p>
@@ -1048,7 +1048,7 @@
           <a:p>
             <a:fld id="{125942D7-A464-4365-815E-3C7EAFC3F152}" type="datetimeFigureOut">
               <a:rPr lang="fr-FR" smtClean="0"/>
-              <a:t>25/01/2018</a:t>
+              <a:t>29/01/2018</a:t>
             </a:fld>
             <a:endParaRPr lang="fr-FR"/>
           </a:p>
@@ -1258,7 +1258,7 @@
           <a:p>
             <a:fld id="{125942D7-A464-4365-815E-3C7EAFC3F152}" type="datetimeFigureOut">
               <a:rPr lang="fr-FR" smtClean="0"/>
-              <a:t>25/01/2018</a:t>
+              <a:t>29/01/2018</a:t>
             </a:fld>
             <a:endParaRPr lang="fr-FR"/>
           </a:p>
@@ -1545,7 +1545,7 @@
           <a:p>
             <a:fld id="{125942D7-A464-4365-815E-3C7EAFC3F152}" type="datetimeFigureOut">
               <a:rPr lang="fr-FR" smtClean="0"/>
-              <a:t>25/01/2018</a:t>
+              <a:t>29/01/2018</a:t>
             </a:fld>
             <a:endParaRPr lang="fr-FR"/>
           </a:p>
@@ -1822,7 +1822,7 @@
           <a:p>
             <a:fld id="{125942D7-A464-4365-815E-3C7EAFC3F152}" type="datetimeFigureOut">
               <a:rPr lang="fr-FR" smtClean="0"/>
-              <a:t>25/01/2018</a:t>
+              <a:t>29/01/2018</a:t>
             </a:fld>
             <a:endParaRPr lang="fr-FR"/>
           </a:p>
@@ -2246,7 +2246,7 @@
           <a:p>
             <a:fld id="{125942D7-A464-4365-815E-3C7EAFC3F152}" type="datetimeFigureOut">
               <a:rPr lang="fr-FR" smtClean="0"/>
-              <a:t>25/01/2018</a:t>
+              <a:t>29/01/2018</a:t>
             </a:fld>
             <a:endParaRPr lang="fr-FR"/>
           </a:p>
@@ -2399,7 +2399,7 @@
           <a:p>
             <a:fld id="{125942D7-A464-4365-815E-3C7EAFC3F152}" type="datetimeFigureOut">
               <a:rPr lang="fr-FR" smtClean="0"/>
-              <a:t>25/01/2018</a:t>
+              <a:t>29/01/2018</a:t>
             </a:fld>
             <a:endParaRPr lang="fr-FR"/>
           </a:p>
@@ -2524,7 +2524,7 @@
           <a:p>
             <a:fld id="{125942D7-A464-4365-815E-3C7EAFC3F152}" type="datetimeFigureOut">
               <a:rPr lang="fr-FR" smtClean="0"/>
-              <a:t>25/01/2018</a:t>
+              <a:t>29/01/2018</a:t>
             </a:fld>
             <a:endParaRPr lang="fr-FR"/>
           </a:p>
@@ -2847,7 +2847,7 @@
           <a:p>
             <a:fld id="{125942D7-A464-4365-815E-3C7EAFC3F152}" type="datetimeFigureOut">
               <a:rPr lang="fr-FR" smtClean="0"/>
-              <a:t>25/01/2018</a:t>
+              <a:t>29/01/2018</a:t>
             </a:fld>
             <a:endParaRPr lang="fr-FR"/>
           </a:p>
@@ -3147,7 +3147,7 @@
           <a:p>
             <a:fld id="{125942D7-A464-4365-815E-3C7EAFC3F152}" type="datetimeFigureOut">
               <a:rPr lang="fr-FR" smtClean="0"/>
-              <a:t>25/01/2018</a:t>
+              <a:t>29/01/2018</a:t>
             </a:fld>
             <a:endParaRPr lang="fr-FR"/>
           </a:p>
@@ -3400,7 +3400,7 @@
           <a:p>
             <a:fld id="{125942D7-A464-4365-815E-3C7EAFC3F152}" type="datetimeFigureOut">
               <a:rPr lang="fr-FR" smtClean="0"/>
-              <a:t>25/01/2018</a:t>
+              <a:t>29/01/2018</a:t>
             </a:fld>
             <a:endParaRPr lang="fr-FR"/>
           </a:p>
@@ -5409,7 +5409,19 @@
               <a:rPr lang="fr-FR" i="1" dirty="0">
                 <a:latin typeface="+mj-lt"/>
               </a:rPr>
-              <a:t>Le Groupe Olivier est spécialisé dans la production de tomates et concombres sous serres verre dans la région nantaise.</a:t>
+              <a:t>Le Groupe Olivier est spécialisé dans la production de tomates et concombres sous </a:t>
+            </a:r>
+            <a:r>
+              <a:rPr lang="fr-FR" i="1">
+                <a:latin typeface="+mj-lt"/>
+              </a:rPr>
+              <a:t>serres en verre </a:t>
+            </a:r>
+            <a:r>
+              <a:rPr lang="fr-FR" i="1" dirty="0">
+                <a:latin typeface="+mj-lt"/>
+              </a:rPr>
+              <a:t>dans la région nantaise.</a:t>
             </a:r>
           </a:p>
         </p:txBody>

--- a/oral_projet/diaporama_revue_1_willy.pptx
+++ b/oral_projet/diaporama_revue_1_willy.pptx
@@ -5391,7 +5391,7 @@
         <p:spPr>
           <a:xfrm>
             <a:off x="2598862" y="2386341"/>
-            <a:ext cx="6223276" cy="646331"/>
+            <a:ext cx="6223276" cy="923330"/>
           </a:xfrm>
           <a:prstGeom prst="rect">
             <a:avLst/>
@@ -5409,20 +5409,17 @@
               <a:rPr lang="fr-FR" i="1" dirty="0">
                 <a:latin typeface="+mj-lt"/>
               </a:rPr>
-              <a:t>Le Groupe Olivier est spécialisé dans la production de tomates et concombres sous </a:t>
+              <a:t>Le Groupe Olivier est spécialisé dans la production de tomates et concombres sous serres en verre dans la région nantaise à Haute-Goulaine </a:t>
             </a:r>
             <a:r>
               <a:rPr lang="fr-FR" i="1">
                 <a:latin typeface="+mj-lt"/>
               </a:rPr>
-              <a:t>serres en verre </a:t>
-            </a:r>
-            <a:r>
-              <a:rPr lang="fr-FR" i="1" dirty="0">
-                <a:latin typeface="+mj-lt"/>
-              </a:rPr>
-              <a:t>dans la région nantaise.</a:t>
-            </a:r>
+              <a:t>et Saint-Julien-de-Concelles.</a:t>
+            </a:r>
+            <a:endParaRPr lang="fr-FR" i="1" dirty="0">
+              <a:latin typeface="+mj-lt"/>
+            </a:endParaRPr>
           </a:p>
         </p:txBody>
       </p:sp>

--- a/oral_projet/diaporama_revue_1_willy.pptx
+++ b/oral_projet/diaporama_revue_1_willy.pptx
@@ -4454,7 +4454,7 @@
             <a:pPr algn="ctr"/>
             <a:r>
               <a:rPr lang="fr-FR" sz="1200" dirty="0"/>
-              <a:t>Mr ANGIBAUD</a:t>
+              <a:t>M ANGIBAUD</a:t>
             </a:r>
           </a:p>
           <a:p>
